--- a/docs/Credit_Card_Fraud_Detection_Project_BigData.pptx
+++ b/docs/Credit_Card_Fraud_Detection_Project_BigData.pptx
@@ -313,7 +313,7 @@
             <a:fld id="{B61BEF0D-F0BB-DE4B-95CE-6DB70DBA9567}" type="datetimeFigureOut">
               <a:rPr lang="en-US" dirty="0"/>
               <a:pPr/>
-              <a:t>11/3/24</a:t>
+              <a:t>11/5/24</a:t>
             </a:fld>
             <a:endParaRPr lang="en-US" dirty="0"/>
           </a:p>
@@ -746,7 +746,7 @@
             <a:fld id="{B61BEF0D-F0BB-DE4B-95CE-6DB70DBA9567}" type="datetimeFigureOut">
               <a:rPr lang="en-US" dirty="0"/>
               <a:pPr/>
-              <a:t>11/3/24</a:t>
+              <a:t>11/5/24</a:t>
             </a:fld>
             <a:endParaRPr lang="en-US" dirty="0"/>
           </a:p>
@@ -993,7 +993,7 @@
             <a:fld id="{B61BEF0D-F0BB-DE4B-95CE-6DB70DBA9567}" type="datetimeFigureOut">
               <a:rPr lang="en-US" dirty="0"/>
               <a:pPr/>
-              <a:t>11/3/24</a:t>
+              <a:t>11/5/24</a:t>
             </a:fld>
             <a:endParaRPr lang="en-US" dirty="0"/>
           </a:p>
@@ -1298,7 +1298,7 @@
             <a:fld id="{B61BEF0D-F0BB-DE4B-95CE-6DB70DBA9567}" type="datetimeFigureOut">
               <a:rPr lang="en-US" dirty="0"/>
               <a:pPr/>
-              <a:t>11/3/24</a:t>
+              <a:t>11/5/24</a:t>
             </a:fld>
             <a:endParaRPr lang="en-US" dirty="0"/>
           </a:p>
@@ -1613,7 +1613,7 @@
             <a:fld id="{B61BEF0D-F0BB-DE4B-95CE-6DB70DBA9567}" type="datetimeFigureOut">
               <a:rPr lang="en-US" dirty="0"/>
               <a:pPr/>
-              <a:t>11/3/24</a:t>
+              <a:t>11/5/24</a:t>
             </a:fld>
             <a:endParaRPr lang="en-US" dirty="0"/>
           </a:p>
@@ -1912,7 +1912,7 @@
             <a:fld id="{B61BEF0D-F0BB-DE4B-95CE-6DB70DBA9567}" type="datetimeFigureOut">
               <a:rPr lang="en-US" dirty="0"/>
               <a:pPr/>
-              <a:t>11/3/24</a:t>
+              <a:t>11/5/24</a:t>
             </a:fld>
             <a:endParaRPr lang="en-US" dirty="0"/>
           </a:p>
@@ -2276,7 +2276,7 @@
             <a:fld id="{B61BEF0D-F0BB-DE4B-95CE-6DB70DBA9567}" type="datetimeFigureOut">
               <a:rPr lang="en-US" dirty="0"/>
               <a:pPr/>
-              <a:t>11/3/24</a:t>
+              <a:t>11/5/24</a:t>
             </a:fld>
             <a:endParaRPr lang="en-US" dirty="0"/>
           </a:p>
@@ -2447,7 +2447,7 @@
             <a:fld id="{B61BEF0D-F0BB-DE4B-95CE-6DB70DBA9567}" type="datetimeFigureOut">
               <a:rPr lang="en-US" dirty="0"/>
               <a:pPr/>
-              <a:t>11/3/24</a:t>
+              <a:t>11/5/24</a:t>
             </a:fld>
             <a:endParaRPr lang="en-US" dirty="0"/>
           </a:p>
@@ -2624,7 +2624,7 @@
             <a:fld id="{B61BEF0D-F0BB-DE4B-95CE-6DB70DBA9567}" type="datetimeFigureOut">
               <a:rPr lang="en-US" dirty="0"/>
               <a:pPr/>
-              <a:t>11/3/24</a:t>
+              <a:t>11/5/24</a:t>
             </a:fld>
             <a:endParaRPr lang="en-US" dirty="0"/>
           </a:p>
@@ -2791,7 +2791,7 @@
             <a:fld id="{B61BEF0D-F0BB-DE4B-95CE-6DB70DBA9567}" type="datetimeFigureOut">
               <a:rPr lang="en-US" dirty="0"/>
               <a:pPr/>
-              <a:t>11/3/24</a:t>
+              <a:t>11/5/24</a:t>
             </a:fld>
             <a:endParaRPr lang="en-US" dirty="0"/>
           </a:p>
@@ -3038,7 +3038,7 @@
             <a:fld id="{B61BEF0D-F0BB-DE4B-95CE-6DB70DBA9567}" type="datetimeFigureOut">
               <a:rPr lang="en-US" dirty="0"/>
               <a:pPr/>
-              <a:t>11/3/24</a:t>
+              <a:t>11/5/24</a:t>
             </a:fld>
             <a:endParaRPr lang="en-US" dirty="0"/>
           </a:p>
@@ -3271,7 +3271,7 @@
             <a:fld id="{B61BEF0D-F0BB-DE4B-95CE-6DB70DBA9567}" type="datetimeFigureOut">
               <a:rPr lang="en-US" dirty="0"/>
               <a:pPr/>
-              <a:t>11/3/24</a:t>
+              <a:t>11/5/24</a:t>
             </a:fld>
             <a:endParaRPr lang="en-US" dirty="0"/>
           </a:p>
@@ -3650,7 +3650,7 @@
             <a:fld id="{B61BEF0D-F0BB-DE4B-95CE-6DB70DBA9567}" type="datetimeFigureOut">
               <a:rPr lang="en-US" dirty="0"/>
               <a:pPr/>
-              <a:t>11/3/24</a:t>
+              <a:t>11/5/24</a:t>
             </a:fld>
             <a:endParaRPr lang="en-US" dirty="0"/>
           </a:p>
@@ -3765,7 +3765,7 @@
             <a:fld id="{B61BEF0D-F0BB-DE4B-95CE-6DB70DBA9567}" type="datetimeFigureOut">
               <a:rPr lang="en-US" dirty="0"/>
               <a:pPr/>
-              <a:t>11/3/24</a:t>
+              <a:t>11/5/24</a:t>
             </a:fld>
             <a:endParaRPr lang="en-US" dirty="0"/>
           </a:p>
@@ -3857,7 +3857,7 @@
             <a:fld id="{B61BEF0D-F0BB-DE4B-95CE-6DB70DBA9567}" type="datetimeFigureOut">
               <a:rPr lang="en-US" dirty="0"/>
               <a:pPr/>
-              <a:t>11/3/24</a:t>
+              <a:t>11/5/24</a:t>
             </a:fld>
             <a:endParaRPr lang="en-US" dirty="0"/>
           </a:p>
@@ -4109,7 +4109,7 @@
             <a:fld id="{B61BEF0D-F0BB-DE4B-95CE-6DB70DBA9567}" type="datetimeFigureOut">
               <a:rPr lang="en-US" dirty="0"/>
               <a:pPr/>
-              <a:t>11/3/24</a:t>
+              <a:t>11/5/24</a:t>
             </a:fld>
             <a:endParaRPr lang="en-US" dirty="0"/>
           </a:p>
@@ -4389,7 +4389,7 @@
             <a:fld id="{B61BEF0D-F0BB-DE4B-95CE-6DB70DBA9567}" type="datetimeFigureOut">
               <a:rPr lang="en-US" dirty="0"/>
               <a:pPr/>
-              <a:t>11/3/24</a:t>
+              <a:t>11/5/24</a:t>
             </a:fld>
             <a:endParaRPr lang="en-US" dirty="0"/>
           </a:p>
@@ -4792,7 +4792,7 @@
             <a:fld id="{B61BEF0D-F0BB-DE4B-95CE-6DB70DBA9567}" type="datetimeFigureOut">
               <a:rPr lang="en-US" dirty="0"/>
               <a:pPr/>
-              <a:t>11/3/24</a:t>
+              <a:t>11/5/24</a:t>
             </a:fld>
             <a:endParaRPr lang="en-US" dirty="0"/>
           </a:p>
@@ -6008,6 +6008,51 @@
             </a:r>
           </a:p>
           <a:p>
+            <a:pPr marL="342900" indent="-342900">
+              <a:buFont typeface="Arial" panose="020B0604020202020204" pitchFamily="34" charset="0"/>
+              <a:buChar char="•"/>
+            </a:pPr>
+            <a:r>
+              <a:rPr lang="en-GB" sz="1800" dirty="0" err="1">
+                <a:solidFill>
+                  <a:schemeClr val="tx1"/>
+                </a:solidFill>
+              </a:rPr>
+              <a:t>Github</a:t>
+            </a:r>
+            <a:r>
+              <a:rPr lang="en-GB" sz="1800" dirty="0">
+                <a:solidFill>
+                  <a:schemeClr val="tx1"/>
+                </a:solidFill>
+              </a:rPr>
+              <a:t> Repository Link: </a:t>
+            </a:r>
+            <a:r>
+              <a:rPr lang="en-GB" sz="1800" dirty="0">
+                <a:solidFill>
+                  <a:schemeClr val="tx1"/>
+                </a:solidFill>
+                <a:hlinkClick r:id="rId2"/>
+              </a:rPr>
+              <a:t>https://github.com/sadhchanGitHub</a:t>
+            </a:r>
+            <a:r>
+              <a:rPr lang="en-GB" sz="1800">
+                <a:solidFill>
+                  <a:schemeClr val="tx1"/>
+                </a:solidFill>
+                <a:hlinkClick r:id="rId2"/>
+              </a:rPr>
+              <a:t>/ML_BigData_Repo_1</a:t>
+            </a:r>
+            <a:endParaRPr lang="en-GB" sz="1800" dirty="0">
+              <a:solidFill>
+                <a:schemeClr val="tx1"/>
+              </a:solidFill>
+            </a:endParaRPr>
+          </a:p>
+          <a:p>
             <a:endParaRPr lang="en-US" sz="700" b="1" dirty="0">
               <a:solidFill>
                 <a:schemeClr val="tx1"/>
